--- a/Prototypes/OMS Regions and Views.pptx
+++ b/Prototypes/OMS Regions and Views.pptx
@@ -6,9 +6,7 @@
   </p:sldMasterIdLst>
   <p:sldIdLst>
     <p:sldId id="256" r:id="rId2"/>
-    <p:sldId id="258" r:id="rId3"/>
-    <p:sldId id="260" r:id="rId4"/>
-    <p:sldId id="257" r:id="rId5"/>
+    <p:sldId id="257" r:id="rId3"/>
   </p:sldIdLst>
   <p:sldSz cx="12192000" cy="6858000"/>
   <p:notesSz cx="6858000" cy="9144000"/>
@@ -340,7 +338,7 @@
           <a:p>
             <a:fld id="{995C478C-B643-42F5-8651-EDC29401117F}" type="datetimeFigureOut">
               <a:rPr lang="ru-RU" smtClean="0"/>
-              <a:t>02.09.2018</a:t>
+              <a:t>06.09.2018</a:t>
             </a:fld>
             <a:endParaRPr lang="ru-RU"/>
           </a:p>
@@ -508,7 +506,7 @@
           <a:p>
             <a:fld id="{995C478C-B643-42F5-8651-EDC29401117F}" type="datetimeFigureOut">
               <a:rPr lang="ru-RU" smtClean="0"/>
-              <a:t>02.09.2018</a:t>
+              <a:t>06.09.2018</a:t>
             </a:fld>
             <a:endParaRPr lang="ru-RU"/>
           </a:p>
@@ -686,7 +684,7 @@
           <a:p>
             <a:fld id="{995C478C-B643-42F5-8651-EDC29401117F}" type="datetimeFigureOut">
               <a:rPr lang="ru-RU" smtClean="0"/>
-              <a:t>02.09.2018</a:t>
+              <a:t>06.09.2018</a:t>
             </a:fld>
             <a:endParaRPr lang="ru-RU"/>
           </a:p>
@@ -854,7 +852,7 @@
           <a:p>
             <a:fld id="{995C478C-B643-42F5-8651-EDC29401117F}" type="datetimeFigureOut">
               <a:rPr lang="ru-RU" smtClean="0"/>
-              <a:t>02.09.2018</a:t>
+              <a:t>06.09.2018</a:t>
             </a:fld>
             <a:endParaRPr lang="ru-RU"/>
           </a:p>
@@ -1099,7 +1097,7 @@
           <a:p>
             <a:fld id="{995C478C-B643-42F5-8651-EDC29401117F}" type="datetimeFigureOut">
               <a:rPr lang="ru-RU" smtClean="0"/>
-              <a:t>02.09.2018</a:t>
+              <a:t>06.09.2018</a:t>
             </a:fld>
             <a:endParaRPr lang="ru-RU"/>
           </a:p>
@@ -1328,7 +1326,7 @@
           <a:p>
             <a:fld id="{995C478C-B643-42F5-8651-EDC29401117F}" type="datetimeFigureOut">
               <a:rPr lang="ru-RU" smtClean="0"/>
-              <a:t>02.09.2018</a:t>
+              <a:t>06.09.2018</a:t>
             </a:fld>
             <a:endParaRPr lang="ru-RU"/>
           </a:p>
@@ -1692,7 +1690,7 @@
           <a:p>
             <a:fld id="{995C478C-B643-42F5-8651-EDC29401117F}" type="datetimeFigureOut">
               <a:rPr lang="ru-RU" smtClean="0"/>
-              <a:t>02.09.2018</a:t>
+              <a:t>06.09.2018</a:t>
             </a:fld>
             <a:endParaRPr lang="ru-RU"/>
           </a:p>
@@ -1809,7 +1807,7 @@
           <a:p>
             <a:fld id="{995C478C-B643-42F5-8651-EDC29401117F}" type="datetimeFigureOut">
               <a:rPr lang="ru-RU" smtClean="0"/>
-              <a:t>02.09.2018</a:t>
+              <a:t>06.09.2018</a:t>
             </a:fld>
             <a:endParaRPr lang="ru-RU"/>
           </a:p>
@@ -1904,7 +1902,7 @@
           <a:p>
             <a:fld id="{995C478C-B643-42F5-8651-EDC29401117F}" type="datetimeFigureOut">
               <a:rPr lang="ru-RU" smtClean="0"/>
-              <a:t>02.09.2018</a:t>
+              <a:t>06.09.2018</a:t>
             </a:fld>
             <a:endParaRPr lang="ru-RU"/>
           </a:p>
@@ -2179,7 +2177,7 @@
           <a:p>
             <a:fld id="{995C478C-B643-42F5-8651-EDC29401117F}" type="datetimeFigureOut">
               <a:rPr lang="ru-RU" smtClean="0"/>
-              <a:t>02.09.2018</a:t>
+              <a:t>06.09.2018</a:t>
             </a:fld>
             <a:endParaRPr lang="ru-RU"/>
           </a:p>
@@ -2431,7 +2429,7 @@
           <a:p>
             <a:fld id="{995C478C-B643-42F5-8651-EDC29401117F}" type="datetimeFigureOut">
               <a:rPr lang="ru-RU" smtClean="0"/>
-              <a:t>02.09.2018</a:t>
+              <a:t>06.09.2018</a:t>
             </a:fld>
             <a:endParaRPr lang="ru-RU"/>
           </a:p>
@@ -2642,7 +2640,7 @@
           <a:p>
             <a:fld id="{995C478C-B643-42F5-8651-EDC29401117F}" type="datetimeFigureOut">
               <a:rPr lang="ru-RU" smtClean="0"/>
-              <a:t>02.09.2018</a:t>
+              <a:t>06.09.2018</a:t>
             </a:fld>
             <a:endParaRPr lang="ru-RU"/>
           </a:p>
@@ -3327,467 +3325,6 @@
       </p:grpSpPr>
       <p:sp>
         <p:nvSpPr>
-          <p:cNvPr id="2" name="Rectangle 1"/>
-          <p:cNvSpPr/>
-          <p:nvPr/>
-        </p:nvSpPr>
-        <p:spPr>
-          <a:xfrm>
-            <a:off x="790161" y="318052"/>
-            <a:ext cx="10982739" cy="6331227"/>
-          </a:xfrm>
-          <a:prstGeom prst="rect">
-            <a:avLst/>
-          </a:prstGeom>
-        </p:spPr>
-        <p:style>
-          <a:lnRef idx="2">
-            <a:schemeClr val="accent3"/>
-          </a:lnRef>
-          <a:fillRef idx="1">
-            <a:schemeClr val="lt1"/>
-          </a:fillRef>
-          <a:effectRef idx="0">
-            <a:schemeClr val="accent3"/>
-          </a:effectRef>
-          <a:fontRef idx="minor">
-            <a:schemeClr val="dk1"/>
-          </a:fontRef>
-        </p:style>
-        <p:txBody>
-          <a:bodyPr rtlCol="0" anchor="ctr"/>
-          <a:lstStyle/>
-          <a:p>
-            <a:pPr algn="ctr"/>
-            <a:endParaRPr lang="en-US"/>
-          </a:p>
-        </p:txBody>
-      </p:sp>
-      <p:sp>
-        <p:nvSpPr>
-          <p:cNvPr id="3" name="Rectangle 2"/>
-          <p:cNvSpPr/>
-          <p:nvPr/>
-        </p:nvSpPr>
-        <p:spPr>
-          <a:xfrm>
-            <a:off x="906945" y="437322"/>
-            <a:ext cx="10761594" cy="904461"/>
-          </a:xfrm>
-          <a:prstGeom prst="rect">
-            <a:avLst/>
-          </a:prstGeom>
-          <a:ln>
-            <a:noFill/>
-          </a:ln>
-        </p:spPr>
-        <p:style>
-          <a:lnRef idx="2">
-            <a:schemeClr val="accent6">
-              <a:shade val="50000"/>
-            </a:schemeClr>
-          </a:lnRef>
-          <a:fillRef idx="1">
-            <a:schemeClr val="accent6"/>
-          </a:fillRef>
-          <a:effectRef idx="0">
-            <a:schemeClr val="accent6"/>
-          </a:effectRef>
-          <a:fontRef idx="minor">
-            <a:schemeClr val="lt1"/>
-          </a:fontRef>
-        </p:style>
-        <p:txBody>
-          <a:bodyPr rtlCol="0" anchor="ctr"/>
-          <a:lstStyle/>
-          <a:p>
-            <a:pPr algn="ctr"/>
-            <a:r>
-              <a:rPr lang="en-GB" dirty="0" smtClean="0"/>
-              <a:t>BANNER REGION</a:t>
-            </a:r>
-            <a:endParaRPr lang="en-US" dirty="0"/>
-          </a:p>
-        </p:txBody>
-      </p:sp>
-      <p:sp>
-        <p:nvSpPr>
-          <p:cNvPr id="5" name="Rectangle 4"/>
-          <p:cNvSpPr/>
-          <p:nvPr/>
-        </p:nvSpPr>
-        <p:spPr>
-          <a:xfrm>
-            <a:off x="906945" y="1431235"/>
-            <a:ext cx="10761594" cy="4651514"/>
-          </a:xfrm>
-          <a:prstGeom prst="rect">
-            <a:avLst/>
-          </a:prstGeom>
-          <a:ln>
-            <a:noFill/>
-          </a:ln>
-        </p:spPr>
-        <p:style>
-          <a:lnRef idx="2">
-            <a:schemeClr val="accent1">
-              <a:shade val="50000"/>
-            </a:schemeClr>
-          </a:lnRef>
-          <a:fillRef idx="1">
-            <a:schemeClr val="accent1"/>
-          </a:fillRef>
-          <a:effectRef idx="0">
-            <a:schemeClr val="accent1"/>
-          </a:effectRef>
-          <a:fontRef idx="minor">
-            <a:schemeClr val="lt1"/>
-          </a:fontRef>
-        </p:style>
-        <p:txBody>
-          <a:bodyPr rtlCol="0" anchor="ctr"/>
-          <a:lstStyle/>
-          <a:p>
-            <a:pPr algn="ctr"/>
-            <a:r>
-              <a:rPr lang="en-GB" dirty="0" smtClean="0"/>
-              <a:t>CONTENT REGION</a:t>
-            </a:r>
-            <a:endParaRPr lang="en-US" dirty="0"/>
-          </a:p>
-        </p:txBody>
-      </p:sp>
-      <p:sp>
-        <p:nvSpPr>
-          <p:cNvPr id="6" name="Rectangle 5"/>
-          <p:cNvSpPr/>
-          <p:nvPr/>
-        </p:nvSpPr>
-        <p:spPr>
-          <a:xfrm>
-            <a:off x="906945" y="6172202"/>
-            <a:ext cx="10761594" cy="417442"/>
-          </a:xfrm>
-          <a:prstGeom prst="rect">
-            <a:avLst/>
-          </a:prstGeom>
-          <a:ln>
-            <a:noFill/>
-          </a:ln>
-        </p:spPr>
-        <p:style>
-          <a:lnRef idx="2">
-            <a:schemeClr val="accent2">
-              <a:shade val="50000"/>
-            </a:schemeClr>
-          </a:lnRef>
-          <a:fillRef idx="1">
-            <a:schemeClr val="accent2"/>
-          </a:fillRef>
-          <a:effectRef idx="0">
-            <a:schemeClr val="accent2"/>
-          </a:effectRef>
-          <a:fontRef idx="minor">
-            <a:schemeClr val="lt1"/>
-          </a:fontRef>
-        </p:style>
-        <p:txBody>
-          <a:bodyPr rtlCol="0" anchor="ctr"/>
-          <a:lstStyle/>
-          <a:p>
-            <a:pPr algn="ctr"/>
-            <a:r>
-              <a:rPr lang="en-GB" dirty="0" smtClean="0"/>
-              <a:t>STATUSBAR REGION</a:t>
-            </a:r>
-            <a:endParaRPr lang="en-US" dirty="0"/>
-          </a:p>
-        </p:txBody>
-      </p:sp>
-    </p:spTree>
-    <p:extLst>
-      <p:ext uri="{BB962C8B-B14F-4D97-AF65-F5344CB8AC3E}">
-        <p14:creationId xmlns:p14="http://schemas.microsoft.com/office/powerpoint/2010/main" val="469498993"/>
-      </p:ext>
-    </p:extLst>
-  </p:cSld>
-  <p:clrMapOvr>
-    <a:masterClrMapping/>
-  </p:clrMapOvr>
-</p:sld>
-</file>
-
-<file path=ppt/slides/slide3.xml><?xml version="1.0" encoding="utf-8"?>
-<p:sld xmlns:a="http://schemas.openxmlformats.org/drawingml/2006/main" xmlns:r="http://schemas.openxmlformats.org/officeDocument/2006/relationships" xmlns:p="http://schemas.openxmlformats.org/presentationml/2006/main">
-  <p:cSld>
-    <p:spTree>
-      <p:nvGrpSpPr>
-        <p:cNvPr id="1" name=""/>
-        <p:cNvGrpSpPr/>
-        <p:nvPr/>
-      </p:nvGrpSpPr>
-      <p:grpSpPr>
-        <a:xfrm>
-          <a:off x="0" y="0"/>
-          <a:ext cx="0" cy="0"/>
-          <a:chOff x="0" y="0"/>
-          <a:chExt cx="0" cy="0"/>
-        </a:xfrm>
-      </p:grpSpPr>
-      <p:sp>
-        <p:nvSpPr>
-          <p:cNvPr id="2" name="Rectangle 1"/>
-          <p:cNvSpPr/>
-          <p:nvPr/>
-        </p:nvSpPr>
-        <p:spPr>
-          <a:xfrm>
-            <a:off x="556590" y="274320"/>
-            <a:ext cx="11449878" cy="6512559"/>
-          </a:xfrm>
-          <a:prstGeom prst="rect">
-            <a:avLst/>
-          </a:prstGeom>
-          <a:noFill/>
-          <a:ln w="76200"/>
-        </p:spPr>
-        <p:style>
-          <a:lnRef idx="2">
-            <a:schemeClr val="dk1"/>
-          </a:lnRef>
-          <a:fillRef idx="1">
-            <a:schemeClr val="lt1"/>
-          </a:fillRef>
-          <a:effectRef idx="0">
-            <a:schemeClr val="dk1"/>
-          </a:effectRef>
-          <a:fontRef idx="minor">
-            <a:schemeClr val="dk1"/>
-          </a:fontRef>
-        </p:style>
-        <p:txBody>
-          <a:bodyPr rtlCol="0" anchor="ctr"/>
-          <a:lstStyle/>
-          <a:p>
-            <a:pPr algn="ctr"/>
-            <a:endParaRPr lang="en-US"/>
-          </a:p>
-        </p:txBody>
-      </p:sp>
-      <p:sp>
-        <p:nvSpPr>
-          <p:cNvPr id="3" name="Rectangle 2"/>
-          <p:cNvSpPr/>
-          <p:nvPr/>
-        </p:nvSpPr>
-        <p:spPr>
-          <a:xfrm>
-            <a:off x="906945" y="437322"/>
-            <a:ext cx="10761594" cy="904461"/>
-          </a:xfrm>
-          <a:prstGeom prst="rect">
-            <a:avLst/>
-          </a:prstGeom>
-          <a:noFill/>
-        </p:spPr>
-        <p:style>
-          <a:lnRef idx="2">
-            <a:schemeClr val="accent6">
-              <a:shade val="50000"/>
-            </a:schemeClr>
-          </a:lnRef>
-          <a:fillRef idx="1">
-            <a:schemeClr val="accent6"/>
-          </a:fillRef>
-          <a:effectRef idx="0">
-            <a:schemeClr val="accent6"/>
-          </a:effectRef>
-          <a:fontRef idx="minor">
-            <a:schemeClr val="lt1"/>
-          </a:fontRef>
-        </p:style>
-        <p:txBody>
-          <a:bodyPr rtlCol="0" anchor="ctr"/>
-          <a:lstStyle/>
-          <a:p>
-            <a:pPr algn="ctr"/>
-            <a:r>
-              <a:rPr lang="en-GB" dirty="0" smtClean="0"/>
-              <a:t>BANNER REGION</a:t>
-            </a:r>
-            <a:endParaRPr lang="en-US" dirty="0"/>
-          </a:p>
-        </p:txBody>
-      </p:sp>
-      <p:sp>
-        <p:nvSpPr>
-          <p:cNvPr id="5" name="Rectangle 4"/>
-          <p:cNvSpPr/>
-          <p:nvPr/>
-        </p:nvSpPr>
-        <p:spPr>
-          <a:xfrm>
-            <a:off x="900733" y="1431235"/>
-            <a:ext cx="10761594" cy="4651514"/>
-          </a:xfrm>
-          <a:prstGeom prst="rect">
-            <a:avLst/>
-          </a:prstGeom>
-          <a:solidFill>
-            <a:schemeClr val="bg1"/>
-          </a:solidFill>
-        </p:spPr>
-        <p:style>
-          <a:lnRef idx="2">
-            <a:schemeClr val="accent1">
-              <a:shade val="50000"/>
-            </a:schemeClr>
-          </a:lnRef>
-          <a:fillRef idx="1">
-            <a:schemeClr val="accent1"/>
-          </a:fillRef>
-          <a:effectRef idx="0">
-            <a:schemeClr val="accent1"/>
-          </a:effectRef>
-          <a:fontRef idx="minor">
-            <a:schemeClr val="lt1"/>
-          </a:fontRef>
-        </p:style>
-        <p:txBody>
-          <a:bodyPr rtlCol="0" anchor="ctr"/>
-          <a:lstStyle/>
-          <a:p>
-            <a:pPr algn="ctr"/>
-            <a:r>
-              <a:rPr lang="en-GB" dirty="0" smtClean="0"/>
-              <a:t>CONTENT REGION</a:t>
-            </a:r>
-            <a:endParaRPr lang="en-US" dirty="0"/>
-          </a:p>
-        </p:txBody>
-      </p:sp>
-      <p:sp>
-        <p:nvSpPr>
-          <p:cNvPr id="6" name="Rectangle 5"/>
-          <p:cNvSpPr/>
-          <p:nvPr/>
-        </p:nvSpPr>
-        <p:spPr>
-          <a:xfrm>
-            <a:off x="906945" y="6172202"/>
-            <a:ext cx="10761594" cy="417442"/>
-          </a:xfrm>
-          <a:prstGeom prst="rect">
-            <a:avLst/>
-          </a:prstGeom>
-          <a:ln>
-            <a:noFill/>
-          </a:ln>
-        </p:spPr>
-        <p:style>
-          <a:lnRef idx="2">
-            <a:schemeClr val="accent2">
-              <a:shade val="50000"/>
-            </a:schemeClr>
-          </a:lnRef>
-          <a:fillRef idx="1">
-            <a:schemeClr val="accent2"/>
-          </a:fillRef>
-          <a:effectRef idx="0">
-            <a:schemeClr val="accent2"/>
-          </a:effectRef>
-          <a:fontRef idx="minor">
-            <a:schemeClr val="lt1"/>
-          </a:fontRef>
-        </p:style>
-        <p:txBody>
-          <a:bodyPr rtlCol="0" anchor="ctr"/>
-          <a:lstStyle/>
-          <a:p>
-            <a:pPr algn="ctr"/>
-            <a:r>
-              <a:rPr lang="en-GB" dirty="0" smtClean="0"/>
-              <a:t>STATUSBAR REGION</a:t>
-            </a:r>
-            <a:endParaRPr lang="en-US" dirty="0"/>
-          </a:p>
-        </p:txBody>
-      </p:sp>
-      <p:sp>
-        <p:nvSpPr>
-          <p:cNvPr id="4" name="Rectangle 3"/>
-          <p:cNvSpPr/>
-          <p:nvPr/>
-        </p:nvSpPr>
-        <p:spPr>
-          <a:xfrm>
-            <a:off x="1003851" y="1540566"/>
-            <a:ext cx="10555357" cy="4432852"/>
-          </a:xfrm>
-          <a:prstGeom prst="rect">
-            <a:avLst/>
-          </a:prstGeom>
-          <a:ln>
-            <a:noFill/>
-          </a:ln>
-        </p:spPr>
-        <p:style>
-          <a:lnRef idx="2">
-            <a:schemeClr val="accent1">
-              <a:shade val="50000"/>
-            </a:schemeClr>
-          </a:lnRef>
-          <a:fillRef idx="1">
-            <a:schemeClr val="accent1"/>
-          </a:fillRef>
-          <a:effectRef idx="0">
-            <a:schemeClr val="accent1"/>
-          </a:effectRef>
-          <a:fontRef idx="minor">
-            <a:schemeClr val="lt1"/>
-          </a:fontRef>
-        </p:style>
-        <p:txBody>
-          <a:bodyPr rtlCol="0" anchor="ctr"/>
-          <a:lstStyle/>
-          <a:p>
-            <a:pPr algn="ctr"/>
-            <a:endParaRPr lang="en-US"/>
-          </a:p>
-        </p:txBody>
-      </p:sp>
-    </p:spTree>
-    <p:extLst>
-      <p:ext uri="{BB962C8B-B14F-4D97-AF65-F5344CB8AC3E}">
-        <p14:creationId xmlns:p14="http://schemas.microsoft.com/office/powerpoint/2010/main" val="1880483262"/>
-      </p:ext>
-    </p:extLst>
-  </p:cSld>
-  <p:clrMapOvr>
-    <a:masterClrMapping/>
-  </p:clrMapOvr>
-</p:sld>
-</file>
-
-<file path=ppt/slides/slide4.xml><?xml version="1.0" encoding="utf-8"?>
-<p:sld xmlns:a="http://schemas.openxmlformats.org/drawingml/2006/main" xmlns:r="http://schemas.openxmlformats.org/officeDocument/2006/relationships" xmlns:p="http://schemas.openxmlformats.org/presentationml/2006/main">
-  <p:cSld>
-    <p:spTree>
-      <p:nvGrpSpPr>
-        <p:cNvPr id="1" name=""/>
-        <p:cNvGrpSpPr/>
-        <p:nvPr/>
-      </p:nvGrpSpPr>
-      <p:grpSpPr>
-        <a:xfrm>
-          <a:off x="0" y="0"/>
-          <a:ext cx="0" cy="0"/>
-          <a:chOff x="0" y="0"/>
-          <a:chExt cx="0" cy="0"/>
-        </a:xfrm>
-      </p:grpSpPr>
-      <p:sp>
-        <p:nvSpPr>
           <p:cNvPr id="6" name="Прямоугольник 5"/>
           <p:cNvSpPr/>
           <p:nvPr/>
